--- a/문제설명/5회/COS PRO 2급 모의고사5회 7번문제.pptx
+++ b/문제설명/5회/COS PRO 2급 모의고사5회 7번문제.pptx
@@ -5,7 +5,7 @@
     <p:sldMasterId id="2147483648" r:id="rId4"/>
   </p:sldMasterIdLst>
   <p:notesMasterIdLst>
-    <p:notesMasterId r:id="rId11"/>
+    <p:notesMasterId r:id="rId10"/>
   </p:notesMasterIdLst>
   <p:sldIdLst>
     <p:sldId id="256" r:id="rId5"/>
@@ -13,7 +13,6 @@
     <p:sldId id="258" r:id="rId7"/>
     <p:sldId id="263" r:id="rId8"/>
     <p:sldId id="264" r:id="rId9"/>
-    <p:sldId id="268" r:id="rId10"/>
   </p:sldIdLst>
   <p:sldSz cx="12192000" cy="6858000"/>
   <p:notesSz cx="6858000" cy="9144000"/>
@@ -120,16 +119,54 @@
 </p:presentation>
 </file>
 
-<file path=ppt/revisionInfo.xml><?xml version="1.0" encoding="utf-8"?>
-<p1510:revInfo xmlns:a="http://schemas.openxmlformats.org/drawingml/2006/main" xmlns:r="http://schemas.openxmlformats.org/officeDocument/2006/relationships" xmlns:p1510="http://schemas.microsoft.com/office/powerpoint/2015/10/main">
-  <p1510:revLst>
-    <p1510:client id="{D1CCA241-EC44-4249-9C0B-3F5F9EF42A14}" v="41" dt="2020-05-22T13:54:13.739"/>
-  </p1510:revLst>
-</p1510:revInfo>
-</file>
-
 <file path=ppt/changesInfos/changesInfo1.xml><?xml version="1.0" encoding="utf-8"?>
 <pc:chgInfo xmlns:a="http://schemas.openxmlformats.org/drawingml/2006/main" xmlns:r="http://schemas.openxmlformats.org/officeDocument/2006/relationships" xmlns:ac="http://schemas.microsoft.com/office/drawing/2013/main/command" xmlns:pc="http://schemas.microsoft.com/office/powerpoint/2013/main/command">
+  <pc:docChgLst>
+    <pc:chgData name="m31685" userId="b3d13b2a-2ed5-418c-ba0a-f601fba5ce5e" providerId="ADAL" clId="{03D0F6BF-ED07-4333-8FAA-EEC4CF404C6A}"/>
+    <pc:docChg chg="custSel delSld modSld">
+      <pc:chgData name="m31685" userId="b3d13b2a-2ed5-418c-ba0a-f601fba5ce5e" providerId="ADAL" clId="{03D0F6BF-ED07-4333-8FAA-EEC4CF404C6A}" dt="2020-07-23T09:48:46.180" v="9" actId="2696"/>
+      <pc:docMkLst>
+        <pc:docMk/>
+      </pc:docMkLst>
+      <pc:sldChg chg="modSp">
+        <pc:chgData name="m31685" userId="b3d13b2a-2ed5-418c-ba0a-f601fba5ce5e" providerId="ADAL" clId="{03D0F6BF-ED07-4333-8FAA-EEC4CF404C6A}" dt="2020-07-23T09:23:05.507" v="6" actId="2710"/>
+        <pc:sldMkLst>
+          <pc:docMk/>
+          <pc:sldMk cId="3742387824" sldId="258"/>
+        </pc:sldMkLst>
+        <pc:spChg chg="mod">
+          <ac:chgData name="m31685" userId="b3d13b2a-2ed5-418c-ba0a-f601fba5ce5e" providerId="ADAL" clId="{03D0F6BF-ED07-4333-8FAA-EEC4CF404C6A}" dt="2020-07-23T09:23:05.507" v="6" actId="2710"/>
+          <ac:spMkLst>
+            <pc:docMk/>
+            <pc:sldMk cId="3742387824" sldId="258"/>
+            <ac:spMk id="3" creationId="{781873CC-BADE-4694-B372-1A700198FA8C}"/>
+          </ac:spMkLst>
+        </pc:spChg>
+      </pc:sldChg>
+      <pc:sldChg chg="modSp">
+        <pc:chgData name="m31685" userId="b3d13b2a-2ed5-418c-ba0a-f601fba5ce5e" providerId="ADAL" clId="{03D0F6BF-ED07-4333-8FAA-EEC4CF404C6A}" dt="2020-07-23T09:23:18.153" v="8" actId="27636"/>
+        <pc:sldMkLst>
+          <pc:docMk/>
+          <pc:sldMk cId="893383834" sldId="264"/>
+        </pc:sldMkLst>
+        <pc:spChg chg="mod">
+          <ac:chgData name="m31685" userId="b3d13b2a-2ed5-418c-ba0a-f601fba5ce5e" providerId="ADAL" clId="{03D0F6BF-ED07-4333-8FAA-EEC4CF404C6A}" dt="2020-07-23T09:23:18.153" v="8" actId="27636"/>
+          <ac:spMkLst>
+            <pc:docMk/>
+            <pc:sldMk cId="893383834" sldId="264"/>
+            <ac:spMk id="3" creationId="{E99CA725-D64C-4D0B-9DD4-1AF1FC6310B2}"/>
+          </ac:spMkLst>
+        </pc:spChg>
+      </pc:sldChg>
+      <pc:sldChg chg="del">
+        <pc:chgData name="m31685" userId="b3d13b2a-2ed5-418c-ba0a-f601fba5ce5e" providerId="ADAL" clId="{03D0F6BF-ED07-4333-8FAA-EEC4CF404C6A}" dt="2020-07-23T09:48:46.180" v="9" actId="2696"/>
+        <pc:sldMkLst>
+          <pc:docMk/>
+          <pc:sldMk cId="2212378234" sldId="268"/>
+        </pc:sldMkLst>
+      </pc:sldChg>
+    </pc:docChg>
+  </pc:docChgLst>
   <pc:docChgLst>
     <pc:chgData name="m31685" userId="b3d13b2a-2ed5-418c-ba0a-f601fba5ce5e" providerId="ADAL" clId="{D1CCA241-EC44-4249-9C0B-3F5F9EF42A14}"/>
     <pc:docChg chg="modSld">
@@ -361,7 +398,7 @@
           <a:p>
             <a:fld id="{FBE5E09B-7008-49A3-A9A8-806D0D2CB575}" type="datetimeFigureOut">
               <a:rPr lang="ko-KR" altLang="en-US" smtClean="0"/>
-              <a:t>2020-05-23</a:t>
+              <a:t>2020-07-23</a:t>
             </a:fld>
             <a:endParaRPr lang="ko-KR" altLang="en-US"/>
           </a:p>
@@ -775,7 +812,7 @@
           <a:p>
             <a:fld id="{2BC63D22-E3DE-4F13-8C6B-78CAF8FAA2EE}" type="datetime1">
               <a:rPr lang="ko-KR" altLang="en-US" smtClean="0"/>
-              <a:t>2020-05-23</a:t>
+              <a:t>2020-07-23</a:t>
             </a:fld>
             <a:endParaRPr lang="ko-KR" altLang="en-US"/>
           </a:p>
@@ -976,7 +1013,7 @@
           <a:p>
             <a:fld id="{BB0CF6F3-A65E-4F61-A36B-D89BD3B48E24}" type="datetime1">
               <a:rPr lang="ko-KR" altLang="en-US" smtClean="0"/>
-              <a:t>2020-05-23</a:t>
+              <a:t>2020-07-23</a:t>
             </a:fld>
             <a:endParaRPr lang="ko-KR" altLang="en-US"/>
           </a:p>
@@ -1187,7 +1224,7 @@
           <a:p>
             <a:fld id="{82F93EBA-ECAA-4A97-9F8C-5C58A4D2271E}" type="datetime1">
               <a:rPr lang="ko-KR" altLang="en-US" smtClean="0"/>
-              <a:t>2020-05-23</a:t>
+              <a:t>2020-07-23</a:t>
             </a:fld>
             <a:endParaRPr lang="ko-KR" altLang="en-US"/>
           </a:p>
@@ -1388,7 +1425,7 @@
           <a:p>
             <a:fld id="{F2632BD5-E3B0-4E34-A99C-12AF310DB67D}" type="datetime1">
               <a:rPr lang="ko-KR" altLang="en-US" smtClean="0"/>
-              <a:t>2020-05-23</a:t>
+              <a:t>2020-07-23</a:t>
             </a:fld>
             <a:endParaRPr lang="ko-KR" altLang="en-US"/>
           </a:p>
@@ -1666,7 +1703,7 @@
           <a:p>
             <a:fld id="{445F1953-64A8-48B7-8478-F97E83AEE901}" type="datetime1">
               <a:rPr lang="ko-KR" altLang="en-US" smtClean="0"/>
-              <a:t>2020-05-23</a:t>
+              <a:t>2020-07-23</a:t>
             </a:fld>
             <a:endParaRPr lang="ko-KR" altLang="en-US"/>
           </a:p>
@@ -1934,7 +1971,7 @@
           <a:p>
             <a:fld id="{1E6EA60A-42A6-4E5A-8968-FD93F94CF728}" type="datetime1">
               <a:rPr lang="ko-KR" altLang="en-US" smtClean="0"/>
-              <a:t>2020-05-23</a:t>
+              <a:t>2020-07-23</a:t>
             </a:fld>
             <a:endParaRPr lang="ko-KR" altLang="en-US"/>
           </a:p>
@@ -2349,7 +2386,7 @@
           <a:p>
             <a:fld id="{001CBB6E-4130-4407-91EB-06EF2AAC4656}" type="datetime1">
               <a:rPr lang="ko-KR" altLang="en-US" smtClean="0"/>
-              <a:t>2020-05-23</a:t>
+              <a:t>2020-07-23</a:t>
             </a:fld>
             <a:endParaRPr lang="ko-KR" altLang="en-US"/>
           </a:p>
@@ -2493,7 +2530,7 @@
           <a:p>
             <a:fld id="{5556902D-F324-49C9-9C98-1B217B954057}" type="datetime1">
               <a:rPr lang="ko-KR" altLang="en-US" smtClean="0"/>
-              <a:t>2020-05-23</a:t>
+              <a:t>2020-07-23</a:t>
             </a:fld>
             <a:endParaRPr lang="ko-KR" altLang="en-US"/>
           </a:p>
@@ -2609,7 +2646,7 @@
           <a:p>
             <a:fld id="{BD18CBF1-05C8-44CD-977F-74A4A8B04DAD}" type="datetime1">
               <a:rPr lang="ko-KR" altLang="en-US" smtClean="0"/>
-              <a:t>2020-05-23</a:t>
+              <a:t>2020-07-23</a:t>
             </a:fld>
             <a:endParaRPr lang="ko-KR" altLang="en-US"/>
           </a:p>
@@ -2923,7 +2960,7 @@
           <a:p>
             <a:fld id="{6FE505FF-ACAE-4A96-AA70-77A0FEA17C7A}" type="datetime1">
               <a:rPr lang="ko-KR" altLang="en-US" smtClean="0"/>
-              <a:t>2020-05-23</a:t>
+              <a:t>2020-07-23</a:t>
             </a:fld>
             <a:endParaRPr lang="ko-KR" altLang="en-US"/>
           </a:p>
@@ -3214,7 +3251,7 @@
           <a:p>
             <a:fld id="{E4D31414-B4DD-4889-8019-8E2BB5D805E9}" type="datetime1">
               <a:rPr lang="ko-KR" altLang="en-US" smtClean="0"/>
-              <a:t>2020-05-23</a:t>
+              <a:t>2020-07-23</a:t>
             </a:fld>
             <a:endParaRPr lang="ko-KR" altLang="en-US"/>
           </a:p>
@@ -3458,7 +3495,7 @@
           <a:p>
             <a:fld id="{B9A4C4C2-7B8E-494F-BAEB-E7B104981483}" type="datetime1">
               <a:rPr lang="ko-KR" altLang="en-US" smtClean="0"/>
-              <a:t>2020-05-23</a:t>
+              <a:t>2020-07-23</a:t>
             </a:fld>
             <a:endParaRPr lang="ko-KR" altLang="en-US"/>
           </a:p>
@@ -4212,7 +4249,7 @@
         </p:spPr>
         <p:txBody>
           <a:bodyPr>
-            <a:normAutofit lnSpcReduction="10000"/>
+            <a:normAutofit/>
           </a:bodyPr>
           <a:lstStyle/>
           <a:p>
@@ -4263,6 +4300,11 @@
             <a:endParaRPr lang="ko-KR" altLang="en-US" dirty="0"/>
           </a:p>
           <a:p>
+            <a:pPr>
+              <a:lnSpc>
+                <a:spcPct val="100000"/>
+              </a:lnSpc>
+            </a:pPr>
             <a:r>
               <a:rPr lang="ko-KR" altLang="en-US" dirty="0"/>
               <a:t>손님들이 구매할 물건 수가 담긴 배열 </a:t>
@@ -4351,12 +4393,6 @@
               <a:rPr lang="en-US" altLang="ko-KR" dirty="0"/>
               <a:t>.</a:t>
             </a:r>
-            <a:endParaRPr lang="ko-KR" altLang="en-US" dirty="0"/>
-          </a:p>
-          <a:p>
-            <a:br>
-              <a:rPr lang="ko-KR" altLang="en-US" dirty="0"/>
-            </a:br>
             <a:endParaRPr lang="ko-KR" altLang="en-US" dirty="0"/>
           </a:p>
         </p:txBody>
@@ -4789,7 +4825,7 @@
         </p:spPr>
         <p:txBody>
           <a:bodyPr>
-            <a:normAutofit lnSpcReduction="10000"/>
+            <a:normAutofit fontScale="92500" lnSpcReduction="10000"/>
           </a:bodyPr>
           <a:lstStyle/>
           <a:p>
@@ -4844,7 +4880,11 @@
             <a:endParaRPr lang="en-US" altLang="ko-KR" dirty="0"/>
           </a:p>
           <a:p>
-            <a:pPr lvl="1"/>
+            <a:pPr lvl="1">
+              <a:lnSpc>
+                <a:spcPct val="110000"/>
+              </a:lnSpc>
+            </a:pPr>
             <a:r>
               <a:rPr lang="ko-KR" altLang="en-US" dirty="0"/>
               <a:t>첫 번째 손님</a:t>
@@ -4880,7 +4920,11 @@
             <a:endParaRPr lang="ko-KR" altLang="en-US" dirty="0"/>
           </a:p>
           <a:p>
-            <a:pPr lvl="1"/>
+            <a:pPr lvl="1">
+              <a:lnSpc>
+                <a:spcPct val="110000"/>
+              </a:lnSpc>
+            </a:pPr>
             <a:r>
               <a:rPr lang="ko-KR" altLang="en-US" dirty="0"/>
               <a:t>두 번째</a:t>
@@ -4932,7 +4976,11 @@
             <a:endParaRPr lang="ko-KR" altLang="en-US" dirty="0"/>
           </a:p>
           <a:p>
-            <a:pPr lvl="1"/>
+            <a:pPr lvl="1">
+              <a:lnSpc>
+                <a:spcPct val="110000"/>
+              </a:lnSpc>
+            </a:pPr>
             <a:r>
               <a:rPr lang="ko-KR" altLang="en-US" dirty="0"/>
               <a:t>따라서 모든 물건을 계산하는데 걸리는 시간은 </a:t>
@@ -4946,7 +4994,7 @@
               <a:t>분입니다</a:t>
             </a:r>
             <a:r>
-              <a:rPr lang="en-US" altLang="ko-KR"/>
+              <a:rPr lang="en-US" altLang="ko-KR" dirty="0"/>
               <a:t>.</a:t>
             </a:r>
             <a:endParaRPr lang="ko-KR" altLang="en-US" dirty="0"/>
@@ -5199,1058 +5247,6 @@
     <p:extLst>
       <p:ext uri="{BB962C8B-B14F-4D97-AF65-F5344CB8AC3E}">
         <p14:creationId xmlns:p14="http://schemas.microsoft.com/office/powerpoint/2010/main" val="893383834"/>
-      </p:ext>
-    </p:extLst>
-  </p:cSld>
-  <p:clrMapOvr>
-    <a:masterClrMapping/>
-  </p:clrMapOvr>
-</p:sld>
-</file>
-
-<file path=ppt/slides/slide6.xml><?xml version="1.0" encoding="utf-8"?>
-<p:sld xmlns:a="http://schemas.openxmlformats.org/drawingml/2006/main" xmlns:r="http://schemas.openxmlformats.org/officeDocument/2006/relationships" xmlns:p="http://schemas.openxmlformats.org/presentationml/2006/main">
-  <p:cSld>
-    <p:spTree>
-      <p:nvGrpSpPr>
-        <p:cNvPr id="1" name=""/>
-        <p:cNvGrpSpPr/>
-        <p:nvPr/>
-      </p:nvGrpSpPr>
-      <p:grpSpPr>
-        <a:xfrm>
-          <a:off x="0" y="0"/>
-          <a:ext cx="0" cy="0"/>
-          <a:chOff x="0" y="0"/>
-          <a:chExt cx="0" cy="0"/>
-        </a:xfrm>
-      </p:grpSpPr>
-      <p:sp>
-        <p:nvSpPr>
-          <p:cNvPr id="2" name="제목 1">
-            <a:extLst>
-              <a:ext uri="{FF2B5EF4-FFF2-40B4-BE49-F238E27FC236}">
-                <a16:creationId xmlns:a16="http://schemas.microsoft.com/office/drawing/2014/main" id="{C5760912-EDE5-4988-8016-B8150714D662}"/>
-              </a:ext>
-            </a:extLst>
-          </p:cNvPr>
-          <p:cNvSpPr>
-            <a:spLocks noGrp="1"/>
-          </p:cNvSpPr>
-          <p:nvPr>
-            <p:ph type="title"/>
-          </p:nvPr>
-        </p:nvSpPr>
-        <p:spPr>
-          <a:xfrm>
-            <a:off x="9015663" y="5803398"/>
-            <a:ext cx="3176337" cy="1325563"/>
-          </a:xfrm>
-        </p:spPr>
-        <p:txBody>
-          <a:bodyPr/>
-          <a:lstStyle/>
-          <a:p>
-            <a:r>
-              <a:rPr lang="en-US" altLang="ko-KR" dirty="0"/>
-              <a:t>4. </a:t>
-            </a:r>
-            <a:r>
-              <a:rPr lang="ko-KR" altLang="en-US" dirty="0"/>
-              <a:t>코딩하기</a:t>
-            </a:r>
-          </a:p>
-        </p:txBody>
-      </p:sp>
-      <p:sp>
-        <p:nvSpPr>
-          <p:cNvPr id="8" name="바닥글 개체 틀 7">
-            <a:extLst>
-              <a:ext uri="{FF2B5EF4-FFF2-40B4-BE49-F238E27FC236}">
-                <a16:creationId xmlns:a16="http://schemas.microsoft.com/office/drawing/2014/main" id="{B8068942-E11B-4D0C-9445-757F248240F9}"/>
-              </a:ext>
-            </a:extLst>
-          </p:cNvPr>
-          <p:cNvSpPr>
-            <a:spLocks noGrp="1"/>
-          </p:cNvSpPr>
-          <p:nvPr>
-            <p:ph type="ftr" sz="quarter" idx="11"/>
-          </p:nvPr>
-        </p:nvSpPr>
-        <p:spPr/>
-        <p:txBody>
-          <a:bodyPr/>
-          <a:lstStyle/>
-          <a:p>
-            <a:r>
-              <a:rPr lang="ko-KR" altLang="en-US" dirty="0" err="1"/>
-              <a:t>전주코딩학원</a:t>
-            </a:r>
-            <a:endParaRPr lang="ko-KR" altLang="en-US" dirty="0"/>
-          </a:p>
-        </p:txBody>
-      </p:sp>
-      <p:sp>
-        <p:nvSpPr>
-          <p:cNvPr id="9" name="슬라이드 번호 개체 틀 8">
-            <a:extLst>
-              <a:ext uri="{FF2B5EF4-FFF2-40B4-BE49-F238E27FC236}">
-                <a16:creationId xmlns:a16="http://schemas.microsoft.com/office/drawing/2014/main" id="{BE4EACA0-950E-4D83-AC16-88D0023F8B07}"/>
-              </a:ext>
-            </a:extLst>
-          </p:cNvPr>
-          <p:cNvSpPr>
-            <a:spLocks noGrp="1"/>
-          </p:cNvSpPr>
-          <p:nvPr>
-            <p:ph type="sldNum" sz="quarter" idx="12"/>
-          </p:nvPr>
-        </p:nvSpPr>
-        <p:spPr/>
-        <p:txBody>
-          <a:bodyPr/>
-          <a:lstStyle/>
-          <a:p>
-            <a:fld id="{CCD10488-5037-450A-BE52-E5085287908F}" type="slidenum">
-              <a:rPr lang="ko-KR" altLang="en-US" smtClean="0"/>
-              <a:t>6</a:t>
-            </a:fld>
-            <a:endParaRPr lang="ko-KR" altLang="en-US"/>
-          </a:p>
-        </p:txBody>
-      </p:sp>
-      <p:sp>
-        <p:nvSpPr>
-          <p:cNvPr id="4" name="TextBox 3">
-            <a:extLst>
-              <a:ext uri="{FF2B5EF4-FFF2-40B4-BE49-F238E27FC236}">
-                <a16:creationId xmlns:a16="http://schemas.microsoft.com/office/drawing/2014/main" id="{9F294C50-15A6-4D86-B2A9-3F0F2CE42F3E}"/>
-              </a:ext>
-            </a:extLst>
-          </p:cNvPr>
-          <p:cNvSpPr txBox="1"/>
-          <p:nvPr/>
-        </p:nvSpPr>
-        <p:spPr>
-          <a:xfrm>
-            <a:off x="587474" y="624174"/>
-            <a:ext cx="10055125" cy="276999"/>
-          </a:xfrm>
-          <a:prstGeom prst="rect">
-            <a:avLst/>
-          </a:prstGeom>
-          <a:noFill/>
-        </p:spPr>
-        <p:txBody>
-          <a:bodyPr wrap="square" rtlCol="0">
-            <a:spAutoFit/>
-          </a:bodyPr>
-          <a:lstStyle/>
-          <a:p>
-            <a:endParaRPr lang="en-US" altLang="ko-KR" sz="1200" b="1" dirty="0">
-              <a:solidFill>
-                <a:srgbClr val="7F0055"/>
-              </a:solidFill>
-              <a:latin typeface="Consolas" panose="020B0609020204030204" pitchFamily="49" charset="0"/>
-            </a:endParaRPr>
-          </a:p>
-        </p:txBody>
-      </p:sp>
-      <p:sp>
-        <p:nvSpPr>
-          <p:cNvPr id="3" name="TextBox 2">
-            <a:extLst>
-              <a:ext uri="{FF2B5EF4-FFF2-40B4-BE49-F238E27FC236}">
-                <a16:creationId xmlns:a16="http://schemas.microsoft.com/office/drawing/2014/main" id="{AB919A95-089C-48E5-897E-1D2452285BF6}"/>
-              </a:ext>
-            </a:extLst>
-          </p:cNvPr>
-          <p:cNvSpPr txBox="1"/>
-          <p:nvPr/>
-        </p:nvSpPr>
-        <p:spPr>
-          <a:xfrm>
-            <a:off x="175023" y="136525"/>
-            <a:ext cx="6657705" cy="5016758"/>
-          </a:xfrm>
-          <a:prstGeom prst="rect">
-            <a:avLst/>
-          </a:prstGeom>
-          <a:noFill/>
-        </p:spPr>
-        <p:txBody>
-          <a:bodyPr wrap="square" numCol="1" rtlCol="0">
-            <a:spAutoFit/>
-          </a:bodyPr>
-          <a:lstStyle/>
-          <a:p>
-            <a:pPr lvl="1"/>
-            <a:r>
-              <a:rPr lang="en-US" altLang="ko-KR" sz="1600" b="1" dirty="0">
-                <a:solidFill>
-                  <a:srgbClr val="7F0055"/>
-                </a:solidFill>
-                <a:latin typeface="Consolas" panose="020B0609020204030204" pitchFamily="49" charset="0"/>
-              </a:rPr>
-              <a:t>public</a:t>
-            </a:r>
-            <a:r>
-              <a:rPr lang="en-US" altLang="ko-KR" sz="1600" b="1" dirty="0">
-                <a:solidFill>
-                  <a:srgbClr val="000000"/>
-                </a:solidFill>
-                <a:latin typeface="Consolas" panose="020B0609020204030204" pitchFamily="49" charset="0"/>
-              </a:rPr>
-              <a:t> </a:t>
-            </a:r>
-            <a:r>
-              <a:rPr lang="en-US" altLang="ko-KR" sz="1600" b="1" dirty="0">
-                <a:solidFill>
-                  <a:srgbClr val="7F0055"/>
-                </a:solidFill>
-                <a:latin typeface="Consolas" panose="020B0609020204030204" pitchFamily="49" charset="0"/>
-              </a:rPr>
-              <a:t>int</a:t>
-            </a:r>
-            <a:r>
-              <a:rPr lang="en-US" altLang="ko-KR" sz="1600" b="1" dirty="0">
-                <a:solidFill>
-                  <a:srgbClr val="000000"/>
-                </a:solidFill>
-                <a:latin typeface="Consolas" panose="020B0609020204030204" pitchFamily="49" charset="0"/>
-              </a:rPr>
-              <a:t> solution(</a:t>
-            </a:r>
-            <a:r>
-              <a:rPr lang="en-US" altLang="ko-KR" sz="1600" b="1" dirty="0">
-                <a:solidFill>
-                  <a:srgbClr val="7F0055"/>
-                </a:solidFill>
-                <a:latin typeface="Consolas" panose="020B0609020204030204" pitchFamily="49" charset="0"/>
-              </a:rPr>
-              <a:t>int</a:t>
-            </a:r>
-            <a:r>
-              <a:rPr lang="en-US" altLang="ko-KR" sz="1600" b="1" dirty="0">
-                <a:solidFill>
-                  <a:srgbClr val="000000"/>
-                </a:solidFill>
-                <a:latin typeface="Consolas" panose="020B0609020204030204" pitchFamily="49" charset="0"/>
-              </a:rPr>
-              <a:t>[] </a:t>
-            </a:r>
-            <a:r>
-              <a:rPr lang="en-US" altLang="ko-KR" sz="1600" b="1" dirty="0">
-                <a:solidFill>
-                  <a:srgbClr val="6A3E3E"/>
-                </a:solidFill>
-                <a:latin typeface="Consolas" panose="020B0609020204030204" pitchFamily="49" charset="0"/>
-              </a:rPr>
-              <a:t>stuffs</a:t>
-            </a:r>
-            <a:r>
-              <a:rPr lang="en-US" altLang="ko-KR" sz="1600" b="1" dirty="0">
-                <a:solidFill>
-                  <a:srgbClr val="000000"/>
-                </a:solidFill>
-                <a:latin typeface="Consolas" panose="020B0609020204030204" pitchFamily="49" charset="0"/>
-              </a:rPr>
-              <a:t>) {</a:t>
-            </a:r>
-          </a:p>
-          <a:p>
-            <a:r>
-              <a:rPr lang="en-US" altLang="ko-KR" sz="1600" dirty="0">
-                <a:solidFill>
-                  <a:srgbClr val="000000"/>
-                </a:solidFill>
-                <a:latin typeface="Consolas" panose="020B0609020204030204" pitchFamily="49" charset="0"/>
-              </a:rPr>
-              <a:t>        </a:t>
-            </a:r>
-            <a:r>
-              <a:rPr lang="en-US" altLang="ko-KR" sz="1600" b="1" dirty="0">
-                <a:solidFill>
-                  <a:srgbClr val="7F0055"/>
-                </a:solidFill>
-                <a:latin typeface="Consolas" panose="020B0609020204030204" pitchFamily="49" charset="0"/>
-              </a:rPr>
-              <a:t>int</a:t>
-            </a:r>
-            <a:r>
-              <a:rPr lang="en-US" altLang="ko-KR" sz="1600" b="1" dirty="0">
-                <a:solidFill>
-                  <a:srgbClr val="000000"/>
-                </a:solidFill>
-                <a:latin typeface="Consolas" panose="020B0609020204030204" pitchFamily="49" charset="0"/>
-              </a:rPr>
-              <a:t> </a:t>
-            </a:r>
-            <a:r>
-              <a:rPr lang="en-US" altLang="ko-KR" sz="1600" b="1" dirty="0">
-                <a:solidFill>
-                  <a:srgbClr val="6A3E3E"/>
-                </a:solidFill>
-                <a:latin typeface="Consolas" panose="020B0609020204030204" pitchFamily="49" charset="0"/>
-              </a:rPr>
-              <a:t>answer</a:t>
-            </a:r>
-            <a:r>
-              <a:rPr lang="en-US" altLang="ko-KR" sz="1600" b="1" dirty="0">
-                <a:solidFill>
-                  <a:srgbClr val="000000"/>
-                </a:solidFill>
-                <a:latin typeface="Consolas" panose="020B0609020204030204" pitchFamily="49" charset="0"/>
-              </a:rPr>
-              <a:t> = 0;</a:t>
-            </a:r>
-          </a:p>
-          <a:p>
-            <a:endParaRPr lang="ko-KR" altLang="en-US" sz="1600" dirty="0">
-              <a:latin typeface="Consolas" panose="020B0609020204030204" pitchFamily="49" charset="0"/>
-            </a:endParaRPr>
-          </a:p>
-          <a:p>
-            <a:r>
-              <a:rPr lang="en-US" altLang="ko-KR" sz="1600" dirty="0">
-                <a:solidFill>
-                  <a:srgbClr val="000000"/>
-                </a:solidFill>
-                <a:latin typeface="Consolas" panose="020B0609020204030204" pitchFamily="49" charset="0"/>
-              </a:rPr>
-              <a:t>        </a:t>
-            </a:r>
-            <a:r>
-              <a:rPr lang="en-US" altLang="ko-KR" sz="1600" b="1" dirty="0">
-                <a:solidFill>
-                  <a:srgbClr val="7F0055"/>
-                </a:solidFill>
-                <a:latin typeface="Consolas" panose="020B0609020204030204" pitchFamily="49" charset="0"/>
-              </a:rPr>
-              <a:t>int</a:t>
-            </a:r>
-            <a:r>
-              <a:rPr lang="en-US" altLang="ko-KR" sz="1600" b="1" dirty="0">
-                <a:solidFill>
-                  <a:srgbClr val="000000"/>
-                </a:solidFill>
-                <a:latin typeface="Consolas" panose="020B0609020204030204" pitchFamily="49" charset="0"/>
-              </a:rPr>
-              <a:t> </a:t>
-            </a:r>
-            <a:r>
-              <a:rPr lang="en-US" altLang="ko-KR" sz="1600" b="1" dirty="0" err="1">
-                <a:solidFill>
-                  <a:srgbClr val="6A3E3E"/>
-                </a:solidFill>
-                <a:latin typeface="Consolas" panose="020B0609020204030204" pitchFamily="49" charset="0"/>
-              </a:rPr>
-              <a:t>smallCounter</a:t>
-            </a:r>
-            <a:r>
-              <a:rPr lang="en-US" altLang="ko-KR" sz="1600" b="1" dirty="0">
-                <a:solidFill>
-                  <a:srgbClr val="000000"/>
-                </a:solidFill>
-                <a:latin typeface="Consolas" panose="020B0609020204030204" pitchFamily="49" charset="0"/>
-              </a:rPr>
-              <a:t> = 0;</a:t>
-            </a:r>
-          </a:p>
-          <a:p>
-            <a:r>
-              <a:rPr lang="en-US" altLang="ko-KR" sz="1600" dirty="0">
-                <a:solidFill>
-                  <a:srgbClr val="000000"/>
-                </a:solidFill>
-                <a:latin typeface="Consolas" panose="020B0609020204030204" pitchFamily="49" charset="0"/>
-              </a:rPr>
-              <a:t>        </a:t>
-            </a:r>
-            <a:r>
-              <a:rPr lang="en-US" altLang="ko-KR" sz="1600" b="1" dirty="0">
-                <a:solidFill>
-                  <a:srgbClr val="7F0055"/>
-                </a:solidFill>
-                <a:latin typeface="Consolas" panose="020B0609020204030204" pitchFamily="49" charset="0"/>
-              </a:rPr>
-              <a:t>int</a:t>
-            </a:r>
-            <a:r>
-              <a:rPr lang="en-US" altLang="ko-KR" sz="1600" b="1" dirty="0">
-                <a:solidFill>
-                  <a:srgbClr val="000000"/>
-                </a:solidFill>
-                <a:latin typeface="Consolas" panose="020B0609020204030204" pitchFamily="49" charset="0"/>
-              </a:rPr>
-              <a:t> </a:t>
-            </a:r>
-            <a:r>
-              <a:rPr lang="en-US" altLang="ko-KR" sz="1600" b="1" dirty="0" err="1">
-                <a:solidFill>
-                  <a:srgbClr val="6A3E3E"/>
-                </a:solidFill>
-                <a:latin typeface="Consolas" panose="020B0609020204030204" pitchFamily="49" charset="0"/>
-              </a:rPr>
-              <a:t>generalCounter</a:t>
-            </a:r>
-            <a:r>
-              <a:rPr lang="en-US" altLang="ko-KR" sz="1600" b="1" dirty="0">
-                <a:solidFill>
-                  <a:srgbClr val="000000"/>
-                </a:solidFill>
-                <a:latin typeface="Consolas" panose="020B0609020204030204" pitchFamily="49" charset="0"/>
-              </a:rPr>
-              <a:t> = 0;</a:t>
-            </a:r>
-          </a:p>
-          <a:p>
-            <a:endParaRPr lang="ko-KR" altLang="en-US" sz="1600" dirty="0">
-              <a:latin typeface="Consolas" panose="020B0609020204030204" pitchFamily="49" charset="0"/>
-            </a:endParaRPr>
-          </a:p>
-          <a:p>
-            <a:r>
-              <a:rPr lang="nn-NO" altLang="ko-KR" sz="1600" dirty="0">
-                <a:solidFill>
-                  <a:srgbClr val="000000"/>
-                </a:solidFill>
-                <a:latin typeface="Consolas" panose="020B0609020204030204" pitchFamily="49" charset="0"/>
-              </a:rPr>
-              <a:t>        </a:t>
-            </a:r>
-            <a:r>
-              <a:rPr lang="nn-NO" altLang="ko-KR" sz="1600" b="1" dirty="0">
-                <a:solidFill>
-                  <a:srgbClr val="7F0055"/>
-                </a:solidFill>
-                <a:latin typeface="Consolas" panose="020B0609020204030204" pitchFamily="49" charset="0"/>
-              </a:rPr>
-              <a:t>for</a:t>
-            </a:r>
-            <a:r>
-              <a:rPr lang="nn-NO" altLang="ko-KR" sz="1600" b="1" dirty="0">
-                <a:solidFill>
-                  <a:srgbClr val="000000"/>
-                </a:solidFill>
-                <a:latin typeface="Consolas" panose="020B0609020204030204" pitchFamily="49" charset="0"/>
-              </a:rPr>
-              <a:t>(</a:t>
-            </a:r>
-            <a:r>
-              <a:rPr lang="nn-NO" altLang="ko-KR" sz="1600" b="1" dirty="0">
-                <a:solidFill>
-                  <a:srgbClr val="7F0055"/>
-                </a:solidFill>
-                <a:latin typeface="Consolas" panose="020B0609020204030204" pitchFamily="49" charset="0"/>
-              </a:rPr>
-              <a:t>int</a:t>
-            </a:r>
-            <a:r>
-              <a:rPr lang="nn-NO" altLang="ko-KR" sz="1600" b="1" dirty="0">
-                <a:solidFill>
-                  <a:srgbClr val="000000"/>
-                </a:solidFill>
-                <a:latin typeface="Consolas" panose="020B0609020204030204" pitchFamily="49" charset="0"/>
-              </a:rPr>
-              <a:t> </a:t>
-            </a:r>
-            <a:r>
-              <a:rPr lang="nn-NO" altLang="ko-KR" sz="1600" b="1" dirty="0">
-                <a:solidFill>
-                  <a:srgbClr val="6A3E3E"/>
-                </a:solidFill>
-                <a:latin typeface="Consolas" panose="020B0609020204030204" pitchFamily="49" charset="0"/>
-              </a:rPr>
-              <a:t>i</a:t>
-            </a:r>
-            <a:r>
-              <a:rPr lang="nn-NO" altLang="ko-KR" sz="1600" b="1" dirty="0">
-                <a:solidFill>
-                  <a:srgbClr val="000000"/>
-                </a:solidFill>
-                <a:latin typeface="Consolas" panose="020B0609020204030204" pitchFamily="49" charset="0"/>
-              </a:rPr>
-              <a:t> = 0; </a:t>
-            </a:r>
-            <a:r>
-              <a:rPr lang="nn-NO" altLang="ko-KR" sz="1600" b="1" dirty="0">
-                <a:solidFill>
-                  <a:srgbClr val="6A3E3E"/>
-                </a:solidFill>
-                <a:latin typeface="Consolas" panose="020B0609020204030204" pitchFamily="49" charset="0"/>
-              </a:rPr>
-              <a:t>i</a:t>
-            </a:r>
-            <a:r>
-              <a:rPr lang="nn-NO" altLang="ko-KR" sz="1600" b="1" dirty="0">
-                <a:solidFill>
-                  <a:srgbClr val="000000"/>
-                </a:solidFill>
-                <a:latin typeface="Consolas" panose="020B0609020204030204" pitchFamily="49" charset="0"/>
-              </a:rPr>
-              <a:t> &lt; </a:t>
-            </a:r>
-            <a:r>
-              <a:rPr lang="nn-NO" altLang="ko-KR" sz="1600" b="1" dirty="0">
-                <a:solidFill>
-                  <a:srgbClr val="6A3E3E"/>
-                </a:solidFill>
-                <a:latin typeface="Consolas" panose="020B0609020204030204" pitchFamily="49" charset="0"/>
-              </a:rPr>
-              <a:t>stuffs</a:t>
-            </a:r>
-            <a:r>
-              <a:rPr lang="nn-NO" altLang="ko-KR" sz="1600" b="1" dirty="0">
-                <a:solidFill>
-                  <a:srgbClr val="000000"/>
-                </a:solidFill>
-                <a:latin typeface="Consolas" panose="020B0609020204030204" pitchFamily="49" charset="0"/>
-              </a:rPr>
-              <a:t>.</a:t>
-            </a:r>
-            <a:r>
-              <a:rPr lang="nn-NO" altLang="ko-KR" sz="1600" b="1" dirty="0">
-                <a:solidFill>
-                  <a:srgbClr val="0000C0"/>
-                </a:solidFill>
-                <a:latin typeface="Consolas" panose="020B0609020204030204" pitchFamily="49" charset="0"/>
-              </a:rPr>
-              <a:t>length</a:t>
-            </a:r>
-            <a:r>
-              <a:rPr lang="nn-NO" altLang="ko-KR" sz="1600" b="1" dirty="0">
-                <a:solidFill>
-                  <a:srgbClr val="000000"/>
-                </a:solidFill>
-                <a:latin typeface="Consolas" panose="020B0609020204030204" pitchFamily="49" charset="0"/>
-              </a:rPr>
-              <a:t>; </a:t>
-            </a:r>
-            <a:r>
-              <a:rPr lang="nn-NO" altLang="ko-KR" sz="1600" b="1" dirty="0">
-                <a:solidFill>
-                  <a:srgbClr val="6A3E3E"/>
-                </a:solidFill>
-                <a:latin typeface="Consolas" panose="020B0609020204030204" pitchFamily="49" charset="0"/>
-              </a:rPr>
-              <a:t>i</a:t>
-            </a:r>
-            <a:r>
-              <a:rPr lang="nn-NO" altLang="ko-KR" sz="1600" b="1" dirty="0">
-                <a:solidFill>
-                  <a:srgbClr val="000000"/>
-                </a:solidFill>
-                <a:latin typeface="Consolas" panose="020B0609020204030204" pitchFamily="49" charset="0"/>
-              </a:rPr>
-              <a:t>++) {</a:t>
-            </a:r>
-          </a:p>
-          <a:p>
-            <a:r>
-              <a:rPr lang="en-US" altLang="ko-KR" sz="1600" dirty="0">
-                <a:solidFill>
-                  <a:srgbClr val="000000"/>
-                </a:solidFill>
-                <a:latin typeface="Consolas" panose="020B0609020204030204" pitchFamily="49" charset="0"/>
-              </a:rPr>
-              <a:t>            </a:t>
-            </a:r>
-            <a:r>
-              <a:rPr lang="en-US" altLang="ko-KR" sz="1600" b="1" dirty="0">
-                <a:solidFill>
-                  <a:srgbClr val="7F0055"/>
-                </a:solidFill>
-                <a:latin typeface="Consolas" panose="020B0609020204030204" pitchFamily="49" charset="0"/>
-              </a:rPr>
-              <a:t>if</a:t>
-            </a:r>
-            <a:r>
-              <a:rPr lang="en-US" altLang="ko-KR" sz="1600" b="1" dirty="0">
-                <a:solidFill>
-                  <a:srgbClr val="000000"/>
-                </a:solidFill>
-                <a:latin typeface="Consolas" panose="020B0609020204030204" pitchFamily="49" charset="0"/>
-              </a:rPr>
-              <a:t>(</a:t>
-            </a:r>
-            <a:r>
-              <a:rPr lang="en-US" altLang="ko-KR" sz="1600" b="1" dirty="0">
-                <a:solidFill>
-                  <a:srgbClr val="6A3E3E"/>
-                </a:solidFill>
-                <a:latin typeface="Consolas" panose="020B0609020204030204" pitchFamily="49" charset="0"/>
-              </a:rPr>
-              <a:t>stuffs</a:t>
-            </a:r>
-            <a:r>
-              <a:rPr lang="en-US" altLang="ko-KR" sz="1600" b="1" dirty="0">
-                <a:solidFill>
-                  <a:srgbClr val="000000"/>
-                </a:solidFill>
-                <a:latin typeface="Consolas" panose="020B0609020204030204" pitchFamily="49" charset="0"/>
-              </a:rPr>
-              <a:t>[</a:t>
-            </a:r>
-            <a:r>
-              <a:rPr lang="en-US" altLang="ko-KR" sz="1600" b="1" dirty="0" err="1">
-                <a:solidFill>
-                  <a:srgbClr val="6A3E3E"/>
-                </a:solidFill>
-                <a:latin typeface="Consolas" panose="020B0609020204030204" pitchFamily="49" charset="0"/>
-              </a:rPr>
-              <a:t>i</a:t>
-            </a:r>
-            <a:r>
-              <a:rPr lang="en-US" altLang="ko-KR" sz="1600" b="1" dirty="0">
-                <a:solidFill>
-                  <a:srgbClr val="000000"/>
-                </a:solidFill>
-                <a:latin typeface="Consolas" panose="020B0609020204030204" pitchFamily="49" charset="0"/>
-              </a:rPr>
-              <a:t>] &gt; 3)</a:t>
-            </a:r>
-          </a:p>
-          <a:p>
-            <a:r>
-              <a:rPr lang="en-US" altLang="ko-KR" sz="1600" dirty="0">
-                <a:solidFill>
-                  <a:srgbClr val="000000"/>
-                </a:solidFill>
-                <a:latin typeface="Consolas" panose="020B0609020204030204" pitchFamily="49" charset="0"/>
-              </a:rPr>
-              <a:t>                </a:t>
-            </a:r>
-            <a:r>
-              <a:rPr lang="en-US" altLang="ko-KR" sz="1600" dirty="0" err="1">
-                <a:solidFill>
-                  <a:srgbClr val="6A3E3E"/>
-                </a:solidFill>
-                <a:latin typeface="Consolas" panose="020B0609020204030204" pitchFamily="49" charset="0"/>
-              </a:rPr>
-              <a:t>generalCounter</a:t>
-            </a:r>
-            <a:r>
-              <a:rPr lang="en-US" altLang="ko-KR" sz="1600" dirty="0">
-                <a:solidFill>
-                  <a:srgbClr val="000000"/>
-                </a:solidFill>
-                <a:latin typeface="Consolas" panose="020B0609020204030204" pitchFamily="49" charset="0"/>
-              </a:rPr>
-              <a:t> += </a:t>
-            </a:r>
-            <a:r>
-              <a:rPr lang="en-US" altLang="ko-KR" sz="1600" dirty="0">
-                <a:solidFill>
-                  <a:srgbClr val="6A3E3E"/>
-                </a:solidFill>
-                <a:latin typeface="Consolas" panose="020B0609020204030204" pitchFamily="49" charset="0"/>
-              </a:rPr>
-              <a:t>stuffs</a:t>
-            </a:r>
-            <a:r>
-              <a:rPr lang="en-US" altLang="ko-KR" sz="1600" dirty="0">
-                <a:solidFill>
-                  <a:srgbClr val="000000"/>
-                </a:solidFill>
-                <a:latin typeface="Consolas" panose="020B0609020204030204" pitchFamily="49" charset="0"/>
-              </a:rPr>
-              <a:t>[</a:t>
-            </a:r>
-            <a:r>
-              <a:rPr lang="en-US" altLang="ko-KR" sz="1600" dirty="0" err="1">
-                <a:solidFill>
-                  <a:srgbClr val="6A3E3E"/>
-                </a:solidFill>
-                <a:latin typeface="Consolas" panose="020B0609020204030204" pitchFamily="49" charset="0"/>
-              </a:rPr>
-              <a:t>i</a:t>
-            </a:r>
-            <a:r>
-              <a:rPr lang="en-US" altLang="ko-KR" sz="1600" dirty="0">
-                <a:solidFill>
-                  <a:srgbClr val="000000"/>
-                </a:solidFill>
-                <a:latin typeface="Consolas" panose="020B0609020204030204" pitchFamily="49" charset="0"/>
-              </a:rPr>
-              <a:t>];</a:t>
-            </a:r>
-          </a:p>
-          <a:p>
-            <a:r>
-              <a:rPr lang="en-US" altLang="ko-KR" sz="1600" dirty="0">
-                <a:solidFill>
-                  <a:srgbClr val="000000"/>
-                </a:solidFill>
-                <a:latin typeface="Consolas" panose="020B0609020204030204" pitchFamily="49" charset="0"/>
-              </a:rPr>
-              <a:t>            </a:t>
-            </a:r>
-            <a:r>
-              <a:rPr lang="en-US" altLang="ko-KR" sz="1600" b="1" dirty="0">
-                <a:solidFill>
-                  <a:srgbClr val="7F0055"/>
-                </a:solidFill>
-                <a:latin typeface="Consolas" panose="020B0609020204030204" pitchFamily="49" charset="0"/>
-              </a:rPr>
-              <a:t>else</a:t>
-            </a:r>
-          </a:p>
-          <a:p>
-            <a:r>
-              <a:rPr lang="en-US" altLang="ko-KR" sz="1600" dirty="0">
-                <a:solidFill>
-                  <a:srgbClr val="000000"/>
-                </a:solidFill>
-                <a:latin typeface="Consolas" panose="020B0609020204030204" pitchFamily="49" charset="0"/>
-              </a:rPr>
-              <a:t>                </a:t>
-            </a:r>
-            <a:r>
-              <a:rPr lang="en-US" altLang="ko-KR" sz="1600" dirty="0" err="1">
-                <a:solidFill>
-                  <a:srgbClr val="6A3E3E"/>
-                </a:solidFill>
-                <a:latin typeface="Consolas" panose="020B0609020204030204" pitchFamily="49" charset="0"/>
-              </a:rPr>
-              <a:t>smallCounter</a:t>
-            </a:r>
-            <a:r>
-              <a:rPr lang="en-US" altLang="ko-KR" sz="1600" dirty="0">
-                <a:solidFill>
-                  <a:srgbClr val="000000"/>
-                </a:solidFill>
-                <a:latin typeface="Consolas" panose="020B0609020204030204" pitchFamily="49" charset="0"/>
-              </a:rPr>
-              <a:t> += </a:t>
-            </a:r>
-            <a:r>
-              <a:rPr lang="en-US" altLang="ko-KR" sz="1600" dirty="0">
-                <a:solidFill>
-                  <a:srgbClr val="6A3E3E"/>
-                </a:solidFill>
-                <a:latin typeface="Consolas" panose="020B0609020204030204" pitchFamily="49" charset="0"/>
-              </a:rPr>
-              <a:t>stuffs</a:t>
-            </a:r>
-            <a:r>
-              <a:rPr lang="en-US" altLang="ko-KR" sz="1600" dirty="0">
-                <a:solidFill>
-                  <a:srgbClr val="000000"/>
-                </a:solidFill>
-                <a:latin typeface="Consolas" panose="020B0609020204030204" pitchFamily="49" charset="0"/>
-              </a:rPr>
-              <a:t>[</a:t>
-            </a:r>
-            <a:r>
-              <a:rPr lang="en-US" altLang="ko-KR" sz="1600" dirty="0" err="1">
-                <a:solidFill>
-                  <a:srgbClr val="6A3E3E"/>
-                </a:solidFill>
-                <a:latin typeface="Consolas" panose="020B0609020204030204" pitchFamily="49" charset="0"/>
-              </a:rPr>
-              <a:t>i</a:t>
-            </a:r>
-            <a:r>
-              <a:rPr lang="en-US" altLang="ko-KR" sz="1600" dirty="0">
-                <a:solidFill>
-                  <a:srgbClr val="000000"/>
-                </a:solidFill>
-                <a:latin typeface="Consolas" panose="020B0609020204030204" pitchFamily="49" charset="0"/>
-              </a:rPr>
-              <a:t>];</a:t>
-            </a:r>
-          </a:p>
-          <a:p>
-            <a:r>
-              <a:rPr lang="ko-KR" altLang="en-US" sz="1600" dirty="0">
-                <a:solidFill>
-                  <a:srgbClr val="000000"/>
-                </a:solidFill>
-                <a:latin typeface="Consolas" panose="020B0609020204030204" pitchFamily="49" charset="0"/>
-              </a:rPr>
-              <a:t>        </a:t>
-            </a:r>
-            <a:r>
-              <a:rPr lang="en-US" altLang="ko-KR" sz="1600" dirty="0">
-                <a:solidFill>
-                  <a:srgbClr val="000000"/>
-                </a:solidFill>
-                <a:latin typeface="Consolas" panose="020B0609020204030204" pitchFamily="49" charset="0"/>
-              </a:rPr>
-              <a:t>}</a:t>
-            </a:r>
-          </a:p>
-          <a:p>
-            <a:endParaRPr lang="ko-KR" altLang="en-US" sz="1600" dirty="0">
-              <a:latin typeface="Consolas" panose="020B0609020204030204" pitchFamily="49" charset="0"/>
-            </a:endParaRPr>
-          </a:p>
-          <a:p>
-            <a:r>
-              <a:rPr lang="en-US" altLang="ko-KR" sz="1600" dirty="0">
-                <a:solidFill>
-                  <a:srgbClr val="000000"/>
-                </a:solidFill>
-                <a:latin typeface="Consolas" panose="020B0609020204030204" pitchFamily="49" charset="0"/>
-              </a:rPr>
-              <a:t>        </a:t>
-            </a:r>
-            <a:r>
-              <a:rPr lang="en-US" altLang="ko-KR" sz="1600" b="1" dirty="0">
-                <a:solidFill>
-                  <a:srgbClr val="7F0055"/>
-                </a:solidFill>
-                <a:latin typeface="Consolas" panose="020B0609020204030204" pitchFamily="49" charset="0"/>
-              </a:rPr>
-              <a:t>if</a:t>
-            </a:r>
-            <a:r>
-              <a:rPr lang="en-US" altLang="ko-KR" sz="1600" b="1" dirty="0">
-                <a:solidFill>
-                  <a:srgbClr val="000000"/>
-                </a:solidFill>
-                <a:latin typeface="Consolas" panose="020B0609020204030204" pitchFamily="49" charset="0"/>
-              </a:rPr>
-              <a:t>(</a:t>
-            </a:r>
-            <a:r>
-              <a:rPr lang="en-US" altLang="ko-KR" sz="1600" b="1" dirty="0" err="1">
-                <a:solidFill>
-                  <a:srgbClr val="6A3E3E"/>
-                </a:solidFill>
-                <a:latin typeface="Consolas" panose="020B0609020204030204" pitchFamily="49" charset="0"/>
-              </a:rPr>
-              <a:t>smallCounter</a:t>
-            </a:r>
-            <a:r>
-              <a:rPr lang="en-US" altLang="ko-KR" sz="1600" b="1" dirty="0">
-                <a:solidFill>
-                  <a:srgbClr val="000000"/>
-                </a:solidFill>
-                <a:latin typeface="Consolas" panose="020B0609020204030204" pitchFamily="49" charset="0"/>
-              </a:rPr>
-              <a:t> &gt; </a:t>
-            </a:r>
-            <a:r>
-              <a:rPr lang="en-US" altLang="ko-KR" sz="1600" b="1" dirty="0" err="1">
-                <a:solidFill>
-                  <a:srgbClr val="6A3E3E"/>
-                </a:solidFill>
-                <a:latin typeface="Consolas" panose="020B0609020204030204" pitchFamily="49" charset="0"/>
-              </a:rPr>
-              <a:t>generalCounter</a:t>
-            </a:r>
-            <a:r>
-              <a:rPr lang="en-US" altLang="ko-KR" sz="1600" b="1" dirty="0">
-                <a:solidFill>
-                  <a:srgbClr val="000000"/>
-                </a:solidFill>
-                <a:latin typeface="Consolas" panose="020B0609020204030204" pitchFamily="49" charset="0"/>
-              </a:rPr>
-              <a:t>)</a:t>
-            </a:r>
-          </a:p>
-          <a:p>
-            <a:r>
-              <a:rPr lang="en-US" altLang="ko-KR" sz="1600" dirty="0">
-                <a:solidFill>
-                  <a:srgbClr val="000000"/>
-                </a:solidFill>
-                <a:latin typeface="Consolas" panose="020B0609020204030204" pitchFamily="49" charset="0"/>
-              </a:rPr>
-              <a:t>            </a:t>
-            </a:r>
-            <a:r>
-              <a:rPr lang="en-US" altLang="ko-KR" sz="1600" dirty="0">
-                <a:solidFill>
-                  <a:srgbClr val="6A3E3E"/>
-                </a:solidFill>
-                <a:latin typeface="Consolas" panose="020B0609020204030204" pitchFamily="49" charset="0"/>
-              </a:rPr>
-              <a:t>answer</a:t>
-            </a:r>
-            <a:r>
-              <a:rPr lang="en-US" altLang="ko-KR" sz="1600" dirty="0">
-                <a:solidFill>
-                  <a:srgbClr val="000000"/>
-                </a:solidFill>
-                <a:latin typeface="Consolas" panose="020B0609020204030204" pitchFamily="49" charset="0"/>
-              </a:rPr>
-              <a:t> = </a:t>
-            </a:r>
-            <a:r>
-              <a:rPr lang="en-US" altLang="ko-KR" sz="1600" dirty="0" err="1">
-                <a:solidFill>
-                  <a:srgbClr val="6A3E3E"/>
-                </a:solidFill>
-                <a:latin typeface="Consolas" panose="020B0609020204030204" pitchFamily="49" charset="0"/>
-              </a:rPr>
-              <a:t>smallCounter</a:t>
-            </a:r>
-            <a:r>
-              <a:rPr lang="en-US" altLang="ko-KR" sz="1600" dirty="0">
-                <a:solidFill>
-                  <a:srgbClr val="000000"/>
-                </a:solidFill>
-                <a:latin typeface="Consolas" panose="020B0609020204030204" pitchFamily="49" charset="0"/>
-              </a:rPr>
-              <a:t>;</a:t>
-            </a:r>
-          </a:p>
-          <a:p>
-            <a:r>
-              <a:rPr lang="en-US" altLang="ko-KR" sz="1600" dirty="0">
-                <a:solidFill>
-                  <a:srgbClr val="000000"/>
-                </a:solidFill>
-                <a:latin typeface="Consolas" panose="020B0609020204030204" pitchFamily="49" charset="0"/>
-              </a:rPr>
-              <a:t>        </a:t>
-            </a:r>
-            <a:r>
-              <a:rPr lang="en-US" altLang="ko-KR" sz="1600" b="1" dirty="0">
-                <a:solidFill>
-                  <a:srgbClr val="7F0055"/>
-                </a:solidFill>
-                <a:latin typeface="Consolas" panose="020B0609020204030204" pitchFamily="49" charset="0"/>
-              </a:rPr>
-              <a:t>else</a:t>
-            </a:r>
-          </a:p>
-          <a:p>
-            <a:r>
-              <a:rPr lang="en-US" altLang="ko-KR" sz="1600" dirty="0">
-                <a:solidFill>
-                  <a:srgbClr val="000000"/>
-                </a:solidFill>
-                <a:latin typeface="Consolas" panose="020B0609020204030204" pitchFamily="49" charset="0"/>
-              </a:rPr>
-              <a:t>            </a:t>
-            </a:r>
-            <a:r>
-              <a:rPr lang="en-US" altLang="ko-KR" sz="1600" dirty="0">
-                <a:solidFill>
-                  <a:srgbClr val="6A3E3E"/>
-                </a:solidFill>
-                <a:latin typeface="Consolas" panose="020B0609020204030204" pitchFamily="49" charset="0"/>
-              </a:rPr>
-              <a:t>answer</a:t>
-            </a:r>
-            <a:r>
-              <a:rPr lang="en-US" altLang="ko-KR" sz="1600" dirty="0">
-                <a:solidFill>
-                  <a:srgbClr val="000000"/>
-                </a:solidFill>
-                <a:latin typeface="Consolas" panose="020B0609020204030204" pitchFamily="49" charset="0"/>
-              </a:rPr>
-              <a:t> = </a:t>
-            </a:r>
-            <a:r>
-              <a:rPr lang="en-US" altLang="ko-KR" sz="1600" dirty="0" err="1">
-                <a:solidFill>
-                  <a:srgbClr val="6A3E3E"/>
-                </a:solidFill>
-                <a:latin typeface="Consolas" panose="020B0609020204030204" pitchFamily="49" charset="0"/>
-              </a:rPr>
-              <a:t>generalCounter</a:t>
-            </a:r>
-            <a:r>
-              <a:rPr lang="en-US" altLang="ko-KR" sz="1600" dirty="0">
-                <a:solidFill>
-                  <a:srgbClr val="000000"/>
-                </a:solidFill>
-                <a:latin typeface="Consolas" panose="020B0609020204030204" pitchFamily="49" charset="0"/>
-              </a:rPr>
-              <a:t>;</a:t>
-            </a:r>
-          </a:p>
-          <a:p>
-            <a:r>
-              <a:rPr lang="ko-KR" altLang="en-US" sz="1600" dirty="0">
-                <a:solidFill>
-                  <a:srgbClr val="000000"/>
-                </a:solidFill>
-                <a:latin typeface="Consolas" panose="020B0609020204030204" pitchFamily="49" charset="0"/>
-              </a:rPr>
-              <a:t>        </a:t>
-            </a:r>
-          </a:p>
-          <a:p>
-            <a:r>
-              <a:rPr lang="en-US" altLang="ko-KR" sz="1600" dirty="0">
-                <a:solidFill>
-                  <a:srgbClr val="000000"/>
-                </a:solidFill>
-                <a:latin typeface="Consolas" panose="020B0609020204030204" pitchFamily="49" charset="0"/>
-              </a:rPr>
-              <a:t>        </a:t>
-            </a:r>
-            <a:r>
-              <a:rPr lang="en-US" altLang="ko-KR" sz="1600" b="1" dirty="0">
-                <a:solidFill>
-                  <a:srgbClr val="7F0055"/>
-                </a:solidFill>
-                <a:latin typeface="Consolas" panose="020B0609020204030204" pitchFamily="49" charset="0"/>
-              </a:rPr>
-              <a:t>return</a:t>
-            </a:r>
-            <a:r>
-              <a:rPr lang="en-US" altLang="ko-KR" sz="1600" b="1" dirty="0">
-                <a:solidFill>
-                  <a:srgbClr val="000000"/>
-                </a:solidFill>
-                <a:latin typeface="Consolas" panose="020B0609020204030204" pitchFamily="49" charset="0"/>
-              </a:rPr>
-              <a:t> </a:t>
-            </a:r>
-            <a:r>
-              <a:rPr lang="en-US" altLang="ko-KR" sz="1600" b="1" dirty="0">
-                <a:solidFill>
-                  <a:srgbClr val="6A3E3E"/>
-                </a:solidFill>
-                <a:latin typeface="Consolas" panose="020B0609020204030204" pitchFamily="49" charset="0"/>
-              </a:rPr>
-              <a:t>answer</a:t>
-            </a:r>
-            <a:r>
-              <a:rPr lang="en-US" altLang="ko-KR" sz="1600" b="1" dirty="0">
-                <a:solidFill>
-                  <a:srgbClr val="000000"/>
-                </a:solidFill>
-                <a:latin typeface="Consolas" panose="020B0609020204030204" pitchFamily="49" charset="0"/>
-              </a:rPr>
-              <a:t>;</a:t>
-            </a:r>
-          </a:p>
-          <a:p>
-            <a:r>
-              <a:rPr lang="ko-KR" altLang="en-US" sz="1600" dirty="0">
-                <a:solidFill>
-                  <a:srgbClr val="000000"/>
-                </a:solidFill>
-                <a:latin typeface="Consolas" panose="020B0609020204030204" pitchFamily="49" charset="0"/>
-              </a:rPr>
-              <a:t>    </a:t>
-            </a:r>
-            <a:r>
-              <a:rPr lang="en-US" altLang="ko-KR" sz="1600" dirty="0">
-                <a:solidFill>
-                  <a:srgbClr val="000000"/>
-                </a:solidFill>
-                <a:latin typeface="Consolas" panose="020B0609020204030204" pitchFamily="49" charset="0"/>
-              </a:rPr>
-              <a:t>}</a:t>
-            </a:r>
-            <a:endParaRPr lang="ko-KR" altLang="en-US" sz="1500" dirty="0"/>
-          </a:p>
-        </p:txBody>
-      </p:sp>
-    </p:spTree>
-    <p:extLst>
-      <p:ext uri="{BB962C8B-B14F-4D97-AF65-F5344CB8AC3E}">
-        <p14:creationId xmlns:p14="http://schemas.microsoft.com/office/powerpoint/2010/main" val="2212378234"/>
       </p:ext>
     </p:extLst>
   </p:cSld>
@@ -6851,21 +5847,6 @@
 </file>
 
 <file path=customXml/item1.xml><?xml version="1.0" encoding="utf-8"?>
-<p:properties xmlns:p="http://schemas.microsoft.com/office/2006/metadata/properties" xmlns:xsi="http://www.w3.org/2001/XMLSchema-instance" xmlns:pc="http://schemas.microsoft.com/office/infopath/2007/PartnerControls">
-  <documentManagement/>
-</p:properties>
-</file>
-
-<file path=customXml/item2.xml><?xml version="1.0" encoding="utf-8"?>
-<?mso-contentType ?>
-<FormTemplates xmlns="http://schemas.microsoft.com/sharepoint/v3/contenttype/forms">
-  <Display>DocumentLibraryForm</Display>
-  <Edit>DocumentLibraryForm</Edit>
-  <New>DocumentLibraryForm</New>
-</FormTemplates>
-</file>
-
-<file path=customXml/item3.xml><?xml version="1.0" encoding="utf-8"?>
 <ct:contentTypeSchema xmlns:ct="http://schemas.microsoft.com/office/2006/metadata/contentType" xmlns:ma="http://schemas.microsoft.com/office/2006/metadata/properties/metaAttributes" ct:_="" ma:_="" ma:contentTypeName="Document" ma:contentTypeID="0x01010002DAD4546B7E5249B2F174FCC2E74792" ma:contentTypeVersion="6" ma:contentTypeDescription="Create a new document." ma:contentTypeScope="" ma:versionID="4ae122079e6719c059172853269ff19a">
   <xsd:schema xmlns:xsd="http://www.w3.org/2001/XMLSchema" xmlns:xs="http://www.w3.org/2001/XMLSchema" xmlns:p="http://schemas.microsoft.com/office/2006/metadata/properties" xmlns:ns3="49be2b2d-8729-4033-b120-2c6fa92b24a7" targetNamespace="http://schemas.microsoft.com/office/2006/metadata/properties" ma:root="true" ma:fieldsID="96d6df5696bc4ea8760948be48ebdad5" ns3:_="">
     <xsd:import namespace="49be2b2d-8729-4033-b120-2c6fa92b24a7"/>
@@ -7023,31 +6004,22 @@
 </ct:contentTypeSchema>
 </file>
 
-<file path=customXml/itemProps1.xml><?xml version="1.0" encoding="utf-8"?>
-<ds:datastoreItem xmlns:ds="http://schemas.openxmlformats.org/officeDocument/2006/customXml" ds:itemID="{25EAE23A-3607-48FE-BAEC-9A7219763BDD}">
-  <ds:schemaRefs>
-    <ds:schemaRef ds:uri="http://purl.org/dc/terms/"/>
-    <ds:schemaRef ds:uri="http://schemas.microsoft.com/office/2006/documentManagement/types"/>
-    <ds:schemaRef ds:uri="49be2b2d-8729-4033-b120-2c6fa92b24a7"/>
-    <ds:schemaRef ds:uri="http://purl.org/dc/elements/1.1/"/>
-    <ds:schemaRef ds:uri="http://schemas.microsoft.com/office/2006/metadata/properties"/>
-    <ds:schemaRef ds:uri="http://schemas.openxmlformats.org/package/2006/metadata/core-properties"/>
-    <ds:schemaRef ds:uri="http://schemas.microsoft.com/office/infopath/2007/PartnerControls"/>
-    <ds:schemaRef ds:uri="http://www.w3.org/XML/1998/namespace"/>
-    <ds:schemaRef ds:uri="http://purl.org/dc/dcmitype/"/>
-  </ds:schemaRefs>
-</ds:datastoreItem>
+<file path=customXml/item2.xml><?xml version="1.0" encoding="utf-8"?>
+<?mso-contentType ?>
+<FormTemplates xmlns="http://schemas.microsoft.com/sharepoint/v3/contenttype/forms">
+  <Display>DocumentLibraryForm</Display>
+  <Edit>DocumentLibraryForm</Edit>
+  <New>DocumentLibraryForm</New>
+</FormTemplates>
 </file>
 
-<file path=customXml/itemProps2.xml><?xml version="1.0" encoding="utf-8"?>
-<ds:datastoreItem xmlns:ds="http://schemas.openxmlformats.org/officeDocument/2006/customXml" ds:itemID="{345EFBB1-F094-4C6D-8718-1E8ED20E6336}">
-  <ds:schemaRefs>
-    <ds:schemaRef ds:uri="http://schemas.microsoft.com/sharepoint/v3/contenttype/forms"/>
-  </ds:schemaRefs>
-</ds:datastoreItem>
+<file path=customXml/item3.xml><?xml version="1.0" encoding="utf-8"?>
+<p:properties xmlns:p="http://schemas.microsoft.com/office/2006/metadata/properties" xmlns:xsi="http://www.w3.org/2001/XMLSchema-instance" xmlns:pc="http://schemas.microsoft.com/office/infopath/2007/PartnerControls">
+  <documentManagement/>
+</p:properties>
 </file>
 
-<file path=customXml/itemProps3.xml><?xml version="1.0" encoding="utf-8"?>
+<file path=customXml/itemProps1.xml><?xml version="1.0" encoding="utf-8"?>
 <ds:datastoreItem xmlns:ds="http://schemas.openxmlformats.org/officeDocument/2006/customXml" ds:itemID="{AB6837F6-970F-4BF2-8BD9-4A4D8C70D550}">
   <ds:schemaRefs>
     <ds:schemaRef ds:uri="http://schemas.microsoft.com/office/2006/metadata/contentType"/>
@@ -7063,4 +6035,28 @@
     <ds:schemaRef ds:uri="http://schemas.microsoft.com/internal/obd"/>
   </ds:schemaRefs>
 </ds:datastoreItem>
+</file>
+
+<file path=customXml/itemProps2.xml><?xml version="1.0" encoding="utf-8"?>
+<ds:datastoreItem xmlns:ds="http://schemas.openxmlformats.org/officeDocument/2006/customXml" ds:itemID="{345EFBB1-F094-4C6D-8718-1E8ED20E6336}">
+  <ds:schemaRefs>
+    <ds:schemaRef ds:uri="http://schemas.microsoft.com/sharepoint/v3/contenttype/forms"/>
+  </ds:schemaRefs>
+</ds:datastoreItem>
+</file>
+
+<file path=customXml/itemProps3.xml><?xml version="1.0" encoding="utf-8"?>
+<ds:datastoreItem xmlns:ds="http://schemas.openxmlformats.org/officeDocument/2006/customXml" ds:itemID="{25EAE23A-3607-48FE-BAEC-9A7219763BDD}">
+  <ds:schemaRefs>
+    <ds:schemaRef ds:uri="http://schemas.microsoft.com/office/infopath/2007/PartnerControls"/>
+    <ds:schemaRef ds:uri="http://purl.org/dc/terms/"/>
+    <ds:schemaRef ds:uri="http://schemas.microsoft.com/office/2006/metadata/properties"/>
+    <ds:schemaRef ds:uri="http://schemas.microsoft.com/office/2006/documentManagement/types"/>
+    <ds:schemaRef ds:uri="49be2b2d-8729-4033-b120-2c6fa92b24a7"/>
+    <ds:schemaRef ds:uri="http://purl.org/dc/elements/1.1/"/>
+    <ds:schemaRef ds:uri="http://schemas.openxmlformats.org/package/2006/metadata/core-properties"/>
+    <ds:schemaRef ds:uri="http://www.w3.org/XML/1998/namespace"/>
+    <ds:schemaRef ds:uri="http://purl.org/dc/dcmitype/"/>
+  </ds:schemaRefs>
+</ds:datastoreItem>
 </file>